--- a/mhw3.pptx
+++ b/mhw3.pptx
@@ -8996,8 +8996,8 @@
         </p:nvSpPr>
         <p:spPr>
           <a:xfrm>
-            <a:off x="1" y="4826675"/>
-            <a:ext cx="12109562" cy="2308324"/>
+            <a:off x="0" y="4549676"/>
+            <a:ext cx="12109562" cy="2523768"/>
           </a:xfrm>
           <a:prstGeom prst="rect">
             <a:avLst/>
@@ -9126,7 +9126,47 @@
             </a:r>
             <a:r>
               <a:rPr lang="it-IT" sz="1400" dirty="0"/>
-              <a:t>contenente l’indirizzo IP del visitatore e molto altro. Per semplicità, nel console.log() riporto le variabili di possibile interesse per un amministratore social (nel caso si volesse mediamente avere contezza dei numeri che visitano la pagina per adottare strategie particolari di espansione o innovazione insomma).</a:t>
+              <a:t>contenente l’indirizzo IP del visitatore e molto altro. Il file </a:t>
+            </a:r>
+            <a:r>
+              <a:rPr lang="it-IT" sz="1400" dirty="0" err="1"/>
+              <a:t>json</a:t>
+            </a:r>
+            <a:r>
+              <a:rPr lang="it-IT" sz="1400" dirty="0"/>
+              <a:t> è ottenuto grazie al </a:t>
+            </a:r>
+            <a:r>
+              <a:rPr lang="it-IT" sz="1400" b="1" dirty="0"/>
+              <a:t>doppio .</a:t>
+            </a:r>
+            <a:r>
+              <a:rPr lang="it-IT" sz="1400" b="1" dirty="0" err="1"/>
+              <a:t>then</a:t>
+            </a:r>
+            <a:r>
+              <a:rPr lang="it-IT" sz="1400" b="1" dirty="0"/>
+              <a:t> </a:t>
+            </a:r>
+            <a:r>
+              <a:rPr lang="it-IT" sz="1400" dirty="0"/>
+              <a:t>che mi consente di gestire la </a:t>
+            </a:r>
+            <a:r>
+              <a:rPr lang="it-IT" sz="1400" b="1" dirty="0">
+                <a:solidFill>
+                  <a:srgbClr val="FF0000"/>
+                </a:solidFill>
+              </a:rPr>
+              <a:t>promise</a:t>
+            </a:r>
+            <a:r>
+              <a:rPr lang="it-IT" sz="1400" dirty="0"/>
+              <a:t>. Per semplicità, nel console.log() riporto le variabili di possibile interesse per un amministratore social (nel caso si volesse mediamente avere contezza dei numeri che visitano la pagina per adottare strategie particolari di espansione o innovazione </a:t>
+            </a:r>
+            <a:r>
+              <a:rPr lang="it-IT" sz="1400"/>
+              <a:t>insomma).</a:t>
             </a:r>
           </a:p>
           <a:p>

--- a/mhw3.pptx
+++ b/mhw3.pptx
@@ -283,7 +283,7 @@
           <a:p>
             <a:fld id="{02AC24A9-CCB6-4F8D-B8DB-C2F3692CFA5A}" type="datetimeFigureOut">
               <a:rPr lang="en-US" smtClean="0"/>
-              <a:t>4/20/2021</a:t>
+              <a:t>4/21/2021</a:t>
             </a:fld>
             <a:endParaRPr lang="en-US" dirty="0"/>
           </a:p>
@@ -653,7 +653,7 @@
           <a:p>
             <a:fld id="{02AC24A9-CCB6-4F8D-B8DB-C2F3692CFA5A}" type="datetimeFigureOut">
               <a:rPr lang="en-US" smtClean="0"/>
-              <a:t>4/20/2021</a:t>
+              <a:t>4/21/2021</a:t>
             </a:fld>
             <a:endParaRPr lang="en-US"/>
           </a:p>
@@ -862,7 +862,7 @@
           <a:p>
             <a:fld id="{02AC24A9-CCB6-4F8D-B8DB-C2F3692CFA5A}" type="datetimeFigureOut">
               <a:rPr lang="en-US" smtClean="0"/>
-              <a:t>4/20/2021</a:t>
+              <a:t>4/21/2021</a:t>
             </a:fld>
             <a:endParaRPr lang="en-US"/>
           </a:p>
@@ -1332,7 +1332,7 @@
           <a:p>
             <a:fld id="{02AC24A9-CCB6-4F8D-B8DB-C2F3692CFA5A}" type="datetimeFigureOut">
               <a:rPr lang="en-US" smtClean="0"/>
-              <a:t>4/20/2021</a:t>
+              <a:t>4/21/2021</a:t>
             </a:fld>
             <a:endParaRPr lang="en-US"/>
           </a:p>
@@ -1786,7 +1786,7 @@
           <a:p>
             <a:fld id="{02AC24A9-CCB6-4F8D-B8DB-C2F3692CFA5A}" type="datetimeFigureOut">
               <a:rPr lang="en-US" smtClean="0"/>
-              <a:t>4/20/2021</a:t>
+              <a:t>4/21/2021</a:t>
             </a:fld>
             <a:endParaRPr lang="en-US"/>
           </a:p>
@@ -2318,7 +2318,7 @@
           <a:p>
             <a:fld id="{02AC24A9-CCB6-4F8D-B8DB-C2F3692CFA5A}" type="datetimeFigureOut">
               <a:rPr lang="en-US" smtClean="0"/>
-              <a:t>4/20/2021</a:t>
+              <a:t>4/21/2021</a:t>
             </a:fld>
             <a:endParaRPr lang="en-US"/>
           </a:p>
@@ -3017,7 +3017,7 @@
           <a:p>
             <a:fld id="{02AC24A9-CCB6-4F8D-B8DB-C2F3692CFA5A}" type="datetimeFigureOut">
               <a:rPr lang="en-US" smtClean="0"/>
-              <a:t>4/20/2021</a:t>
+              <a:t>4/21/2021</a:t>
             </a:fld>
             <a:endParaRPr lang="en-US"/>
           </a:p>
@@ -3346,7 +3346,7 @@
           <a:p>
             <a:fld id="{02AC24A9-CCB6-4F8D-B8DB-C2F3692CFA5A}" type="datetimeFigureOut">
               <a:rPr lang="en-US" smtClean="0"/>
-              <a:t>4/20/2021</a:t>
+              <a:t>4/21/2021</a:t>
             </a:fld>
             <a:endParaRPr lang="en-US"/>
           </a:p>
@@ -3459,7 +3459,7 @@
           <a:p>
             <a:fld id="{02AC24A9-CCB6-4F8D-B8DB-C2F3692CFA5A}" type="datetimeFigureOut">
               <a:rPr lang="en-US" smtClean="0"/>
-              <a:t>4/20/2021</a:t>
+              <a:t>4/21/2021</a:t>
             </a:fld>
             <a:endParaRPr lang="en-US"/>
           </a:p>
@@ -3954,7 +3954,7 @@
           <a:p>
             <a:fld id="{02AC24A9-CCB6-4F8D-B8DB-C2F3692CFA5A}" type="datetimeFigureOut">
               <a:rPr lang="en-US" smtClean="0"/>
-              <a:t>4/20/2021</a:t>
+              <a:t>4/21/2021</a:t>
             </a:fld>
             <a:endParaRPr lang="en-US" dirty="0"/>
           </a:p>
@@ -4431,7 +4431,7 @@
           <a:p>
             <a:fld id="{02AC24A9-CCB6-4F8D-B8DB-C2F3692CFA5A}" type="datetimeFigureOut">
               <a:rPr lang="en-US" smtClean="0"/>
-              <a:t>4/20/2021</a:t>
+              <a:t>4/21/2021</a:t>
             </a:fld>
             <a:endParaRPr lang="en-US"/>
           </a:p>
@@ -4674,7 +4674,7 @@
           <a:p>
             <a:fld id="{02AC24A9-CCB6-4F8D-B8DB-C2F3692CFA5A}" type="datetimeFigureOut">
               <a:rPr lang="en-US" smtClean="0"/>
-              <a:t>4/20/2021</a:t>
+              <a:t>4/21/2021</a:t>
             </a:fld>
             <a:endParaRPr lang="en-US"/>
           </a:p>
@@ -7472,7 +7472,7 @@
         <p:spPr>
           <a:xfrm>
             <a:off x="6273591" y="5160373"/>
-            <a:ext cx="5428863" cy="1661993"/>
+            <a:ext cx="5428863" cy="1538883"/>
           </a:xfrm>
           <a:prstGeom prst="rect">
             <a:avLst/>
@@ -7507,64 +7507,61 @@
           </a:p>
           <a:p>
             <a:r>
-              <a:rPr lang="it-IT" sz="1200" dirty="0"/>
-              <a:t>Il seguente costrutto è dettato prevalentemente dalla documentazione dell’</a:t>
-            </a:r>
-            <a:r>
-              <a:rPr lang="it-IT" sz="1200" b="1" dirty="0"/>
-              <a:t>API libera</a:t>
-            </a:r>
-            <a:r>
-              <a:rPr lang="it-IT" sz="1200" dirty="0"/>
-              <a:t>, tuttavia è facile vedere che il risultato della fetch è un </a:t>
-            </a:r>
-            <a:r>
-              <a:rPr lang="it-IT" sz="1200" b="1" dirty="0" err="1">
-                <a:solidFill>
-                  <a:srgbClr val="00B050"/>
-                </a:solidFill>
-              </a:rPr>
-              <a:t>response</a:t>
-            </a:r>
-            <a:r>
-              <a:rPr lang="it-IT" sz="1200" dirty="0"/>
-              <a:t> di cui mi serve lo status di successo (</a:t>
-            </a:r>
-            <a:r>
-              <a:rPr lang="it-IT" sz="1200" b="1" dirty="0" err="1"/>
-              <a:t>response.ok</a:t>
-            </a:r>
-            <a:r>
-              <a:rPr lang="it-IT" sz="1200" dirty="0"/>
-              <a:t>) e il dato </a:t>
-            </a:r>
-            <a:r>
-              <a:rPr lang="it-IT" sz="1200" b="1" dirty="0">
-                <a:solidFill>
-                  <a:srgbClr val="FF0000"/>
-                </a:solidFill>
-              </a:rPr>
-              <a:t>promise</a:t>
-            </a:r>
-            <a:r>
-              <a:rPr lang="it-IT" sz="1200" dirty="0"/>
+              <a:rPr lang="it-IT" sz="1400" dirty="0"/>
+              <a:t>Per gestire questa fetch ho utilizzato un </a:t>
+            </a:r>
+            <a:r>
+              <a:rPr lang="it-IT" sz="1400" b="1" dirty="0"/>
+              <a:t>doppio .</a:t>
+            </a:r>
+            <a:r>
+              <a:rPr lang="it-IT" sz="1400" b="1" dirty="0" err="1"/>
+              <a:t>then</a:t>
+            </a:r>
+            <a:r>
+              <a:rPr lang="it-IT" sz="1400" dirty="0"/>
+              <a:t>: il primo serve a </a:t>
+            </a:r>
+            <a:r>
+              <a:rPr lang="it-IT" sz="1400" b="1" dirty="0"/>
+              <a:t>gestire l’oggetto di tipo promise</a:t>
+            </a:r>
+            <a:r>
+              <a:rPr lang="it-IT" sz="1400" dirty="0"/>
               <a:t> (</a:t>
             </a:r>
             <a:r>
-              <a:rPr lang="it-IT" sz="1200" b="1" dirty="0" err="1"/>
+              <a:rPr lang="it-IT" sz="1400" dirty="0" err="1"/>
               <a:t>response.json</a:t>
             </a:r>
             <a:r>
-              <a:rPr lang="it-IT" sz="1200" b="1" dirty="0"/>
-              <a:t>()</a:t>
-            </a:r>
-            <a:r>
-              <a:rPr lang="it-IT" sz="1200" dirty="0"/>
-              <a:t>) che salvo nelle rispettive variabili che modificano gli elementi già dichiarati in html</a:t>
-            </a:r>
-          </a:p>
-          <a:p>
-            <a:endParaRPr lang="it-IT" dirty="0"/>
+              <a:rPr lang="it-IT" sz="1400" dirty="0"/>
+              <a:t>()) il secondo a </a:t>
+            </a:r>
+            <a:r>
+              <a:rPr lang="it-IT" sz="1400" b="1" dirty="0"/>
+              <a:t>trattare effettivamente l’oggetto </a:t>
+            </a:r>
+            <a:r>
+              <a:rPr lang="it-IT" sz="1400" b="1" dirty="0" err="1"/>
+              <a:t>json</a:t>
+            </a:r>
+            <a:r>
+              <a:rPr lang="it-IT" sz="1400" b="1" dirty="0"/>
+              <a:t> </a:t>
+            </a:r>
+            <a:r>
+              <a:rPr lang="it-IT" sz="1400" dirty="0"/>
+              <a:t>contenuto nella promise con lo stesso meccanismo usato per le </a:t>
+            </a:r>
+            <a:r>
+              <a:rPr lang="it-IT" sz="1400" dirty="0" err="1"/>
+              <a:t>sections</a:t>
+            </a:r>
+            <a:r>
+              <a:rPr lang="it-IT" sz="1400" dirty="0"/>
+              <a:t> spiegato qui a fianco.</a:t>
+            </a:r>
           </a:p>
         </p:txBody>
       </p:sp>
@@ -7627,36 +7624,6 @@
           </a:p>
         </p:txBody>
       </p:sp>
-      <p:pic>
-        <p:nvPicPr>
-          <p:cNvPr id="7" name="Immagine 6">
-            <a:extLst>
-              <a:ext uri="{FF2B5EF4-FFF2-40B4-BE49-F238E27FC236}">
-                <a16:creationId xmlns:a16="http://schemas.microsoft.com/office/drawing/2014/main" id="{356A26A9-6F83-4B44-9B85-E3D4BA294148}"/>
-              </a:ext>
-            </a:extLst>
-          </p:cNvPr>
-          <p:cNvPicPr>
-            <a:picLocks noChangeAspect="1"/>
-          </p:cNvPicPr>
-          <p:nvPr/>
-        </p:nvPicPr>
-        <p:blipFill>
-          <a:blip r:embed="rId3"/>
-          <a:stretch>
-            <a:fillRect/>
-          </a:stretch>
-        </p:blipFill>
-        <p:spPr>
-          <a:xfrm>
-            <a:off x="6273591" y="2082787"/>
-            <a:ext cx="5081346" cy="2834661"/>
-          </a:xfrm>
-          <a:prstGeom prst="rect">
-            <a:avLst/>
-          </a:prstGeom>
-        </p:spPr>
-      </p:pic>
       <p:sp>
         <p:nvSpPr>
           <p:cNvPr id="10" name="CasellaDiTesto 9">
@@ -7672,7 +7639,7 @@
         <p:spPr>
           <a:xfrm>
             <a:off x="330293" y="5153075"/>
-            <a:ext cx="5588117" cy="1846659"/>
+            <a:ext cx="5588117" cy="2031325"/>
           </a:xfrm>
           <a:prstGeom prst="rect">
             <a:avLst/>
@@ -7703,7 +7670,7 @@
                 </a:solidFill>
                 <a:latin typeface="+mj-lt"/>
                 <a:ea typeface="SFMono-Regular"/>
-                <a:hlinkClick r:id="rId4"/>
+                <a:hlinkClick r:id="rId3"/>
               </a:rPr>
               <a:t>https://picsum.photos</a:t>
             </a:r>
@@ -7737,23 +7704,47 @@
             </a:r>
             <a:r>
               <a:rPr lang="it-IT" sz="1200" dirty="0"/>
-              <a:t> si rivela necessaria una funzione che venga chiamata più volte e ogni volta esegua appunto una fetch. </a:t>
+              <a:t> si rivela necessaria una funzione che sa di essere chiamata più volte ad eseguire la fetch. Il ciclo for interno alla funzione si preoccupa di </a:t>
             </a:r>
             <a:r>
               <a:rPr lang="it-IT" sz="1200" b="1" dirty="0"/>
-              <a:t>L’implementazione asincrona </a:t>
+              <a:t>verificare che la sezione non abbia una immagine di sfondo </a:t>
             </a:r>
             <a:r>
               <a:rPr lang="it-IT" sz="1200" dirty="0"/>
-              <a:t>della funzione è stata dettata dall’esempio proposto dalla documentazione dell’API di </a:t>
+              <a:t>(se ce l’ha passa avanti) e le </a:t>
+            </a:r>
+            <a:r>
+              <a:rPr lang="it-IT" sz="1200" b="1" dirty="0"/>
+              <a:t>assegna </a:t>
+            </a:r>
+            <a:r>
+              <a:rPr lang="it-IT" sz="1200" b="1" dirty="0" err="1"/>
+              <a:t>l’url</a:t>
+            </a:r>
+            <a:r>
+              <a:rPr lang="it-IT" sz="1200" b="1" dirty="0"/>
+              <a:t> dell’immagine </a:t>
+            </a:r>
+            <a:r>
+              <a:rPr lang="it-IT" sz="1200" dirty="0"/>
+              <a:t>restituita al </a:t>
             </a:r>
             <a:r>
               <a:rPr lang="it-IT" sz="1200" dirty="0" err="1"/>
-              <a:t>Quotable</a:t>
+              <a:t>response</a:t>
             </a:r>
             <a:r>
               <a:rPr lang="it-IT" sz="1200" dirty="0"/>
-              <a:t> (qui a fianco) e si è rivelata abbastanza attendibile.</a:t>
+              <a:t> . Eseguita l’operazione, termina il ciclo tramite </a:t>
+            </a:r>
+            <a:r>
+              <a:rPr lang="it-IT" sz="1200" b="1" dirty="0"/>
+              <a:t>break</a:t>
+            </a:r>
+            <a:r>
+              <a:rPr lang="it-IT" sz="1200" dirty="0"/>
+              <a:t> e si conclude.</a:t>
             </a:r>
           </a:p>
           <a:p>
@@ -7763,10 +7754,80 @@
       </p:sp>
       <p:pic>
         <p:nvPicPr>
-          <p:cNvPr id="12" name="Immagine 11">
-            <a:extLst>
-              <a:ext uri="{FF2B5EF4-FFF2-40B4-BE49-F238E27FC236}">
-                <a16:creationId xmlns:a16="http://schemas.microsoft.com/office/drawing/2014/main" id="{150E64A9-DED3-426A-BFB7-4ED59331486A}"/>
+          <p:cNvPr id="6" name="Immagine 5">
+            <a:extLst>
+              <a:ext uri="{FF2B5EF4-FFF2-40B4-BE49-F238E27FC236}">
+                <a16:creationId xmlns:a16="http://schemas.microsoft.com/office/drawing/2014/main" id="{28893727-CAAC-45D5-8F40-2F6641B5DBD0}"/>
+              </a:ext>
+            </a:extLst>
+          </p:cNvPr>
+          <p:cNvPicPr>
+            <a:picLocks noChangeAspect="1"/>
+          </p:cNvPicPr>
+          <p:nvPr/>
+        </p:nvPicPr>
+        <p:blipFill>
+          <a:blip r:embed="rId4"/>
+          <a:stretch>
+            <a:fillRect/>
+          </a:stretch>
+        </p:blipFill>
+        <p:spPr>
+          <a:xfrm>
+            <a:off x="164976" y="2151909"/>
+            <a:ext cx="5753434" cy="2765571"/>
+          </a:xfrm>
+          <a:prstGeom prst="rect">
+            <a:avLst/>
+          </a:prstGeom>
+        </p:spPr>
+      </p:pic>
+      <p:sp>
+        <p:nvSpPr>
+          <p:cNvPr id="13" name="CasellaDiTesto 12">
+            <a:extLst>
+              <a:ext uri="{FF2B5EF4-FFF2-40B4-BE49-F238E27FC236}">
+                <a16:creationId xmlns:a16="http://schemas.microsoft.com/office/drawing/2014/main" id="{E2B83BF1-271D-48DF-8B55-A3C722D6F291}"/>
+              </a:ext>
+            </a:extLst>
+          </p:cNvPr>
+          <p:cNvSpPr txBox="1"/>
+          <p:nvPr/>
+        </p:nvSpPr>
+        <p:spPr>
+          <a:xfrm>
+            <a:off x="5262147" y="2053505"/>
+            <a:ext cx="628485" cy="369332"/>
+          </a:xfrm>
+          <a:prstGeom prst="rect">
+            <a:avLst/>
+          </a:prstGeom>
+          <a:noFill/>
+        </p:spPr>
+        <p:txBody>
+          <a:bodyPr wrap="square" rtlCol="0">
+            <a:spAutoFit/>
+          </a:bodyPr>
+          <a:lstStyle/>
+          <a:p>
+            <a:r>
+              <a:rPr lang="it-IT" dirty="0">
+                <a:highlight>
+                  <a:srgbClr val="FFFF00"/>
+                </a:highlight>
+              </a:rPr>
+              <a:t>JS</a:t>
+            </a:r>
+            <a:endParaRPr lang="it-IT" dirty="0"/>
+          </a:p>
+        </p:txBody>
+      </p:sp>
+      <p:pic>
+        <p:nvPicPr>
+          <p:cNvPr id="9" name="Immagine 8">
+            <a:extLst>
+              <a:ext uri="{FF2B5EF4-FFF2-40B4-BE49-F238E27FC236}">
+                <a16:creationId xmlns:a16="http://schemas.microsoft.com/office/drawing/2014/main" id="{8E00E083-1E3A-4421-BFBE-AD2BC2B4C57E}"/>
               </a:ext>
             </a:extLst>
           </p:cNvPr>
@@ -7783,8 +7844,8 @@
         </p:blipFill>
         <p:spPr>
           <a:xfrm>
-            <a:off x="330293" y="2082787"/>
-            <a:ext cx="5726027" cy="2979799"/>
+            <a:off x="5999219" y="2053505"/>
+            <a:ext cx="5977606" cy="3076117"/>
           </a:xfrm>
           <a:prstGeom prst="rect">
             <a:avLst/>
@@ -7793,10 +7854,10 @@
       </p:pic>
       <p:sp>
         <p:nvSpPr>
-          <p:cNvPr id="13" name="CasellaDiTesto 12">
-            <a:extLst>
-              <a:ext uri="{FF2B5EF4-FFF2-40B4-BE49-F238E27FC236}">
-                <a16:creationId xmlns:a16="http://schemas.microsoft.com/office/drawing/2014/main" id="{E2B83BF1-271D-48DF-8B55-A3C722D6F291}"/>
+          <p:cNvPr id="14" name="CasellaDiTesto 13">
+            <a:extLst>
+              <a:ext uri="{FF2B5EF4-FFF2-40B4-BE49-F238E27FC236}">
+                <a16:creationId xmlns:a16="http://schemas.microsoft.com/office/drawing/2014/main" id="{3F3E2EC0-5A5B-4AB6-A468-F8234A626FEA}"/>
               </a:ext>
             </a:extLst>
           </p:cNvPr>
@@ -7805,47 +7866,7 @@
         </p:nvSpPr>
         <p:spPr>
           <a:xfrm>
-            <a:off x="5289925" y="1889592"/>
-            <a:ext cx="628485" cy="369332"/>
-          </a:xfrm>
-          <a:prstGeom prst="rect">
-            <a:avLst/>
-          </a:prstGeom>
-          <a:noFill/>
-        </p:spPr>
-        <p:txBody>
-          <a:bodyPr wrap="square" rtlCol="0">
-            <a:spAutoFit/>
-          </a:bodyPr>
-          <a:lstStyle/>
-          <a:p>
-            <a:r>
-              <a:rPr lang="it-IT" dirty="0">
-                <a:highlight>
-                  <a:srgbClr val="FFFF00"/>
-                </a:highlight>
-              </a:rPr>
-              <a:t>JS</a:t>
-            </a:r>
-            <a:endParaRPr lang="it-IT" dirty="0"/>
-          </a:p>
-        </p:txBody>
-      </p:sp>
-      <p:sp>
-        <p:nvSpPr>
-          <p:cNvPr id="14" name="CasellaDiTesto 13">
-            <a:extLst>
-              <a:ext uri="{FF2B5EF4-FFF2-40B4-BE49-F238E27FC236}">
-                <a16:creationId xmlns:a16="http://schemas.microsoft.com/office/drawing/2014/main" id="{3F3E2EC0-5A5B-4AB6-A468-F8234A626FEA}"/>
-              </a:ext>
-            </a:extLst>
-          </p:cNvPr>
-          <p:cNvSpPr txBox="1"/>
-          <p:nvPr/>
-        </p:nvSpPr>
-        <p:spPr>
-          <a:xfrm>
-            <a:off x="11233170" y="1782577"/>
+            <a:off x="11348340" y="1967243"/>
             <a:ext cx="628485" cy="369332"/>
           </a:xfrm>
           <a:prstGeom prst="rect">
@@ -10358,7 +10379,7 @@
         </p:nvSpPr>
         <p:spPr>
           <a:xfrm>
-            <a:off x="620052" y="4890393"/>
+            <a:off x="593610" y="5373622"/>
             <a:ext cx="783998" cy="369332"/>
           </a:xfrm>
           <a:prstGeom prst="rect">
@@ -10572,8 +10593,8 @@
         </p:nvCxnSpPr>
         <p:spPr>
           <a:xfrm>
-            <a:off x="1404050" y="5075059"/>
-            <a:ext cx="443604" cy="354780"/>
+            <a:off x="1377608" y="5558288"/>
+            <a:ext cx="337440" cy="0"/>
           </a:xfrm>
           <a:prstGeom prst="straightConnector1">
             <a:avLst/>
@@ -10653,7 +10674,7 @@
         </p:nvSpPr>
         <p:spPr>
           <a:xfrm>
-            <a:off x="687259" y="1780138"/>
+            <a:off x="593610" y="1763120"/>
             <a:ext cx="161726" cy="3357532"/>
           </a:xfrm>
           <a:prstGeom prst="leftBrace">

--- a/mhw3.pptx
+++ b/mhw3.pptx
@@ -283,7 +283,7 @@
           <a:p>
             <a:fld id="{02AC24A9-CCB6-4F8D-B8DB-C2F3692CFA5A}" type="datetimeFigureOut">
               <a:rPr lang="en-US" smtClean="0"/>
-              <a:t>4/21/2021</a:t>
+              <a:t>4/22/2021</a:t>
             </a:fld>
             <a:endParaRPr lang="en-US" dirty="0"/>
           </a:p>
@@ -653,7 +653,7 @@
           <a:p>
             <a:fld id="{02AC24A9-CCB6-4F8D-B8DB-C2F3692CFA5A}" type="datetimeFigureOut">
               <a:rPr lang="en-US" smtClean="0"/>
-              <a:t>4/21/2021</a:t>
+              <a:t>4/22/2021</a:t>
             </a:fld>
             <a:endParaRPr lang="en-US"/>
           </a:p>
@@ -862,7 +862,7 @@
           <a:p>
             <a:fld id="{02AC24A9-CCB6-4F8D-B8DB-C2F3692CFA5A}" type="datetimeFigureOut">
               <a:rPr lang="en-US" smtClean="0"/>
-              <a:t>4/21/2021</a:t>
+              <a:t>4/22/2021</a:t>
             </a:fld>
             <a:endParaRPr lang="en-US"/>
           </a:p>
@@ -1332,7 +1332,7 @@
           <a:p>
             <a:fld id="{02AC24A9-CCB6-4F8D-B8DB-C2F3692CFA5A}" type="datetimeFigureOut">
               <a:rPr lang="en-US" smtClean="0"/>
-              <a:t>4/21/2021</a:t>
+              <a:t>4/22/2021</a:t>
             </a:fld>
             <a:endParaRPr lang="en-US"/>
           </a:p>
@@ -1786,7 +1786,7 @@
           <a:p>
             <a:fld id="{02AC24A9-CCB6-4F8D-B8DB-C2F3692CFA5A}" type="datetimeFigureOut">
               <a:rPr lang="en-US" smtClean="0"/>
-              <a:t>4/21/2021</a:t>
+              <a:t>4/22/2021</a:t>
             </a:fld>
             <a:endParaRPr lang="en-US"/>
           </a:p>
@@ -2318,7 +2318,7 @@
           <a:p>
             <a:fld id="{02AC24A9-CCB6-4F8D-B8DB-C2F3692CFA5A}" type="datetimeFigureOut">
               <a:rPr lang="en-US" smtClean="0"/>
-              <a:t>4/21/2021</a:t>
+              <a:t>4/22/2021</a:t>
             </a:fld>
             <a:endParaRPr lang="en-US"/>
           </a:p>
@@ -3017,7 +3017,7 @@
           <a:p>
             <a:fld id="{02AC24A9-CCB6-4F8D-B8DB-C2F3692CFA5A}" type="datetimeFigureOut">
               <a:rPr lang="en-US" smtClean="0"/>
-              <a:t>4/21/2021</a:t>
+              <a:t>4/22/2021</a:t>
             </a:fld>
             <a:endParaRPr lang="en-US"/>
           </a:p>
@@ -3346,7 +3346,7 @@
           <a:p>
             <a:fld id="{02AC24A9-CCB6-4F8D-B8DB-C2F3692CFA5A}" type="datetimeFigureOut">
               <a:rPr lang="en-US" smtClean="0"/>
-              <a:t>4/21/2021</a:t>
+              <a:t>4/22/2021</a:t>
             </a:fld>
             <a:endParaRPr lang="en-US"/>
           </a:p>
@@ -3459,7 +3459,7 @@
           <a:p>
             <a:fld id="{02AC24A9-CCB6-4F8D-B8DB-C2F3692CFA5A}" type="datetimeFigureOut">
               <a:rPr lang="en-US" smtClean="0"/>
-              <a:t>4/21/2021</a:t>
+              <a:t>4/22/2021</a:t>
             </a:fld>
             <a:endParaRPr lang="en-US"/>
           </a:p>
@@ -3954,7 +3954,7 @@
           <a:p>
             <a:fld id="{02AC24A9-CCB6-4F8D-B8DB-C2F3692CFA5A}" type="datetimeFigureOut">
               <a:rPr lang="en-US" smtClean="0"/>
-              <a:t>4/21/2021</a:t>
+              <a:t>4/22/2021</a:t>
             </a:fld>
             <a:endParaRPr lang="en-US" dirty="0"/>
           </a:p>
@@ -4431,7 +4431,7 @@
           <a:p>
             <a:fld id="{02AC24A9-CCB6-4F8D-B8DB-C2F3692CFA5A}" type="datetimeFigureOut">
               <a:rPr lang="en-US" smtClean="0"/>
-              <a:t>4/21/2021</a:t>
+              <a:t>4/22/2021</a:t>
             </a:fld>
             <a:endParaRPr lang="en-US"/>
           </a:p>
@@ -4674,7 +4674,7 @@
           <a:p>
             <a:fld id="{02AC24A9-CCB6-4F8D-B8DB-C2F3692CFA5A}" type="datetimeFigureOut">
               <a:rPr lang="en-US" smtClean="0"/>
-              <a:t>4/21/2021</a:t>
+              <a:t>4/22/2021</a:t>
             </a:fld>
             <a:endParaRPr lang="en-US"/>
           </a:p>
@@ -7424,6 +7424,36 @@
           <a:chExt cx="0" cy="0"/>
         </a:xfrm>
       </p:grpSpPr>
+      <p:pic>
+        <p:nvPicPr>
+          <p:cNvPr id="7" name="Immagine 6">
+            <a:extLst>
+              <a:ext uri="{FF2B5EF4-FFF2-40B4-BE49-F238E27FC236}">
+                <a16:creationId xmlns:a16="http://schemas.microsoft.com/office/drawing/2014/main" id="{477B3B30-0D5F-4B12-A129-5D527D92055D}"/>
+              </a:ext>
+            </a:extLst>
+          </p:cNvPr>
+          <p:cNvPicPr>
+            <a:picLocks noChangeAspect="1"/>
+          </p:cNvPicPr>
+          <p:nvPr/>
+        </p:nvPicPr>
+        <p:blipFill>
+          <a:blip r:embed="rId2"/>
+          <a:stretch>
+            <a:fillRect/>
+          </a:stretch>
+        </p:blipFill>
+        <p:spPr>
+          <a:xfrm>
+            <a:off x="6096000" y="2151909"/>
+            <a:ext cx="5950368" cy="3008464"/>
+          </a:xfrm>
+          <a:prstGeom prst="rect">
+            <a:avLst/>
+          </a:prstGeom>
+        </p:spPr>
+      </p:pic>
       <p:sp>
         <p:nvSpPr>
           <p:cNvPr id="2" name="Titolo 1">
@@ -7496,7 +7526,7 @@
             </a:r>
             <a:r>
               <a:rPr lang="it-IT" sz="1200" dirty="0">
-                <a:hlinkClick r:id="rId2"/>
+                <a:hlinkClick r:id="rId3"/>
               </a:rPr>
               <a:t>https://github.com/lukePeavey/quotable</a:t>
             </a:r>
@@ -7638,8 +7668,8 @@
         </p:nvSpPr>
         <p:spPr>
           <a:xfrm>
-            <a:off x="330293" y="5153075"/>
-            <a:ext cx="5588117" cy="2031325"/>
+            <a:off x="145632" y="5015885"/>
+            <a:ext cx="5784045" cy="1723549"/>
           </a:xfrm>
           <a:prstGeom prst="rect">
             <a:avLst/>
@@ -7658,23 +7688,23 @@
           <a:lstStyle/>
           <a:p>
             <a:r>
-              <a:rPr lang="it-IT" sz="1200" dirty="0">
+              <a:rPr lang="it-IT" sz="1100" dirty="0">
                 <a:latin typeface="+mj-lt"/>
               </a:rPr>
               <a:t>Documentazione: </a:t>
             </a:r>
             <a:r>
-              <a:rPr lang="it-IT" altLang="it-IT" sz="1200" dirty="0">
+              <a:rPr lang="it-IT" altLang="it-IT" sz="1100" dirty="0">
                 <a:solidFill>
                   <a:srgbClr val="386BF3"/>
                 </a:solidFill>
                 <a:latin typeface="+mj-lt"/>
                 <a:ea typeface="SFMono-Regular"/>
-                <a:hlinkClick r:id="rId3"/>
+                <a:hlinkClick r:id="rId4"/>
               </a:rPr>
               <a:t>https://picsum.photos</a:t>
             </a:r>
-            <a:endParaRPr lang="it-IT" altLang="it-IT" sz="1200" dirty="0">
+            <a:endParaRPr lang="it-IT" altLang="it-IT" sz="1100" dirty="0">
               <a:solidFill>
                 <a:srgbClr val="386BF3"/>
               </a:solidFill>
@@ -7683,67 +7713,99 @@
             </a:endParaRPr>
           </a:p>
           <a:p>
-            <a:endParaRPr lang="it-IT" sz="1200" dirty="0"/>
-          </a:p>
-          <a:p>
-            <a:r>
-              <a:rPr lang="it-IT" sz="1200" dirty="0"/>
+            <a:endParaRPr lang="it-IT" sz="1100" dirty="0">
+              <a:latin typeface="+mj-lt"/>
+            </a:endParaRPr>
+          </a:p>
+          <a:p>
+            <a:r>
+              <a:rPr lang="it-IT" sz="1100" dirty="0">
+                <a:latin typeface="+mj-lt"/>
+              </a:rPr>
               <a:t>Il funzionamento dell’API è già stato esposto parlando dell’</a:t>
             </a:r>
             <a:r>
-              <a:rPr lang="it-IT" sz="1200" dirty="0" err="1"/>
+              <a:rPr lang="it-IT" sz="1100" dirty="0" err="1">
+                <a:latin typeface="+mj-lt"/>
+              </a:rPr>
               <a:t>header</a:t>
             </a:r>
             <a:r>
-              <a:rPr lang="it-IT" sz="1200" dirty="0"/>
+              <a:rPr lang="it-IT" sz="1100" dirty="0">
+                <a:latin typeface="+mj-lt"/>
+              </a:rPr>
               <a:t> e della sua immagine randomica di sfondo. Dal momento che ci sono più </a:t>
             </a:r>
             <a:r>
-              <a:rPr lang="it-IT" sz="1200" dirty="0" err="1"/>
+              <a:rPr lang="it-IT" sz="1100" dirty="0" err="1">
+                <a:latin typeface="+mj-lt"/>
+              </a:rPr>
               <a:t>sections</a:t>
             </a:r>
             <a:r>
-              <a:rPr lang="it-IT" sz="1200" dirty="0"/>
+              <a:rPr lang="it-IT" sz="1100" dirty="0">
+                <a:latin typeface="+mj-lt"/>
+              </a:rPr>
               <a:t> si rivela necessaria una funzione che sa di essere chiamata più volte ad eseguire la fetch. Il ciclo for interno alla funzione si preoccupa di </a:t>
             </a:r>
             <a:r>
-              <a:rPr lang="it-IT" sz="1200" b="1" dirty="0"/>
+              <a:rPr lang="it-IT" sz="1100" b="1" dirty="0">
+                <a:latin typeface="+mj-lt"/>
+              </a:rPr>
               <a:t>verificare che la sezione non abbia una immagine di sfondo </a:t>
             </a:r>
             <a:r>
-              <a:rPr lang="it-IT" sz="1200" dirty="0"/>
+              <a:rPr lang="it-IT" sz="1100" dirty="0">
+                <a:latin typeface="+mj-lt"/>
+              </a:rPr>
               <a:t>(se ce l’ha passa avanti) e le </a:t>
             </a:r>
             <a:r>
-              <a:rPr lang="it-IT" sz="1200" b="1" dirty="0"/>
+              <a:rPr lang="it-IT" sz="1100" b="1" dirty="0">
+                <a:latin typeface="+mj-lt"/>
+              </a:rPr>
               <a:t>assegna </a:t>
             </a:r>
             <a:r>
-              <a:rPr lang="it-IT" sz="1200" b="1" dirty="0" err="1"/>
+              <a:rPr lang="it-IT" sz="1100" b="1" dirty="0" err="1">
+                <a:latin typeface="+mj-lt"/>
+              </a:rPr>
               <a:t>l’url</a:t>
             </a:r>
             <a:r>
-              <a:rPr lang="it-IT" sz="1200" b="1" dirty="0"/>
+              <a:rPr lang="it-IT" sz="1100" b="1" dirty="0">
+                <a:latin typeface="+mj-lt"/>
+              </a:rPr>
               <a:t> dell’immagine </a:t>
             </a:r>
             <a:r>
-              <a:rPr lang="it-IT" sz="1200" dirty="0"/>
+              <a:rPr lang="it-IT" sz="1100" dirty="0">
+                <a:latin typeface="+mj-lt"/>
+              </a:rPr>
               <a:t>restituita al </a:t>
             </a:r>
             <a:r>
-              <a:rPr lang="it-IT" sz="1200" dirty="0" err="1"/>
+              <a:rPr lang="it-IT" sz="1100" dirty="0" err="1">
+                <a:latin typeface="+mj-lt"/>
+              </a:rPr>
               <a:t>response</a:t>
             </a:r>
             <a:r>
-              <a:rPr lang="it-IT" sz="1200" dirty="0"/>
+              <a:rPr lang="it-IT" sz="1100" dirty="0">
+                <a:latin typeface="+mj-lt"/>
+              </a:rPr>
               <a:t> . Eseguita l’operazione, termina il ciclo tramite </a:t>
             </a:r>
             <a:r>
-              <a:rPr lang="it-IT" sz="1200" b="1" dirty="0"/>
+              <a:rPr lang="it-IT" sz="1100" b="1" dirty="0">
+                <a:latin typeface="+mj-lt"/>
+              </a:rPr>
               <a:t>break</a:t>
             </a:r>
             <a:r>
-              <a:rPr lang="it-IT" sz="1200" dirty="0"/>
+              <a:rPr lang="it-IT" sz="1100" dirty="0">
+                <a:latin typeface="+mj-lt"/>
+              </a:rPr>
               <a:t> e si conclude.</a:t>
             </a:r>
           </a:p>
@@ -7758,76 +7820,6 @@
             <a:extLst>
               <a:ext uri="{FF2B5EF4-FFF2-40B4-BE49-F238E27FC236}">
                 <a16:creationId xmlns:a16="http://schemas.microsoft.com/office/drawing/2014/main" id="{28893727-CAAC-45D5-8F40-2F6641B5DBD0}"/>
-              </a:ext>
-            </a:extLst>
-          </p:cNvPr>
-          <p:cNvPicPr>
-            <a:picLocks noChangeAspect="1"/>
-          </p:cNvPicPr>
-          <p:nvPr/>
-        </p:nvPicPr>
-        <p:blipFill>
-          <a:blip r:embed="rId4"/>
-          <a:stretch>
-            <a:fillRect/>
-          </a:stretch>
-        </p:blipFill>
-        <p:spPr>
-          <a:xfrm>
-            <a:off x="164976" y="2151909"/>
-            <a:ext cx="5753434" cy="2765571"/>
-          </a:xfrm>
-          <a:prstGeom prst="rect">
-            <a:avLst/>
-          </a:prstGeom>
-        </p:spPr>
-      </p:pic>
-      <p:sp>
-        <p:nvSpPr>
-          <p:cNvPr id="13" name="CasellaDiTesto 12">
-            <a:extLst>
-              <a:ext uri="{FF2B5EF4-FFF2-40B4-BE49-F238E27FC236}">
-                <a16:creationId xmlns:a16="http://schemas.microsoft.com/office/drawing/2014/main" id="{E2B83BF1-271D-48DF-8B55-A3C722D6F291}"/>
-              </a:ext>
-            </a:extLst>
-          </p:cNvPr>
-          <p:cNvSpPr txBox="1"/>
-          <p:nvPr/>
-        </p:nvSpPr>
-        <p:spPr>
-          <a:xfrm>
-            <a:off x="5262147" y="2053505"/>
-            <a:ext cx="628485" cy="369332"/>
-          </a:xfrm>
-          <a:prstGeom prst="rect">
-            <a:avLst/>
-          </a:prstGeom>
-          <a:noFill/>
-        </p:spPr>
-        <p:txBody>
-          <a:bodyPr wrap="square" rtlCol="0">
-            <a:spAutoFit/>
-          </a:bodyPr>
-          <a:lstStyle/>
-          <a:p>
-            <a:r>
-              <a:rPr lang="it-IT" dirty="0">
-                <a:highlight>
-                  <a:srgbClr val="FFFF00"/>
-                </a:highlight>
-              </a:rPr>
-              <a:t>JS</a:t>
-            </a:r>
-            <a:endParaRPr lang="it-IT" dirty="0"/>
-          </a:p>
-        </p:txBody>
-      </p:sp>
-      <p:pic>
-        <p:nvPicPr>
-          <p:cNvPr id="9" name="Immagine 8">
-            <a:extLst>
-              <a:ext uri="{FF2B5EF4-FFF2-40B4-BE49-F238E27FC236}">
-                <a16:creationId xmlns:a16="http://schemas.microsoft.com/office/drawing/2014/main" id="{8E00E083-1E3A-4421-BFBE-AD2BC2B4C57E}"/>
               </a:ext>
             </a:extLst>
           </p:cNvPr>
@@ -7844,14 +7836,54 @@
         </p:blipFill>
         <p:spPr>
           <a:xfrm>
-            <a:off x="5999219" y="2053505"/>
-            <a:ext cx="5977606" cy="3076117"/>
+            <a:off x="164976" y="2151909"/>
+            <a:ext cx="5753434" cy="2765571"/>
           </a:xfrm>
           <a:prstGeom prst="rect">
             <a:avLst/>
           </a:prstGeom>
         </p:spPr>
       </p:pic>
+      <p:sp>
+        <p:nvSpPr>
+          <p:cNvPr id="13" name="CasellaDiTesto 12">
+            <a:extLst>
+              <a:ext uri="{FF2B5EF4-FFF2-40B4-BE49-F238E27FC236}">
+                <a16:creationId xmlns:a16="http://schemas.microsoft.com/office/drawing/2014/main" id="{E2B83BF1-271D-48DF-8B55-A3C722D6F291}"/>
+              </a:ext>
+            </a:extLst>
+          </p:cNvPr>
+          <p:cNvSpPr txBox="1"/>
+          <p:nvPr/>
+        </p:nvSpPr>
+        <p:spPr>
+          <a:xfrm>
+            <a:off x="5262147" y="2053505"/>
+            <a:ext cx="628485" cy="369332"/>
+          </a:xfrm>
+          <a:prstGeom prst="rect">
+            <a:avLst/>
+          </a:prstGeom>
+          <a:noFill/>
+        </p:spPr>
+        <p:txBody>
+          <a:bodyPr wrap="square" rtlCol="0">
+            <a:spAutoFit/>
+          </a:bodyPr>
+          <a:lstStyle/>
+          <a:p>
+            <a:r>
+              <a:rPr lang="it-IT" dirty="0">
+                <a:highlight>
+                  <a:srgbClr val="FFFF00"/>
+                </a:highlight>
+              </a:rPr>
+              <a:t>JS</a:t>
+            </a:r>
+            <a:endParaRPr lang="it-IT" dirty="0"/>
+          </a:p>
+        </p:txBody>
+      </p:sp>
       <p:sp>
         <p:nvSpPr>
           <p:cNvPr id="14" name="CasellaDiTesto 13">

--- a/mhw3.pptx
+++ b/mhw3.pptx
@@ -10157,7 +10157,15 @@
           <a:p>
             <a:r>
               <a:rPr lang="it-IT" i="1" dirty="0"/>
-              <a:t>Nota: il formato delle richieste e delle risposte è di tipo GET</a:t>
+              <a:t>Nota: il metodo delle richieste effettuate con la fetch e </a:t>
+            </a:r>
+            <a:r>
+              <a:rPr lang="it-IT" i="1"/>
+              <a:t>delle relative risposte </a:t>
+            </a:r>
+            <a:r>
+              <a:rPr lang="it-IT" i="1" dirty="0"/>
+              <a:t>è di tipo GET</a:t>
             </a:r>
           </a:p>
         </p:txBody>
